--- a/PPT/Churn Analysis.pptx
+++ b/PPT/Churn Analysis.pptx
@@ -36,16 +36,12 @@
       <p:regular r:id="rId21"/>
     </p:embeddedFont>
     <p:embeddedFont>
-      <p:font typeface="Montserrat Classic Bold" panose="020B0604020202020204" charset="0"/>
+      <p:font typeface="Oswald" panose="00000500000000000000" pitchFamily="2" charset="0"/>
       <p:regular r:id="rId22"/>
     </p:embeddedFont>
     <p:embeddedFont>
-      <p:font typeface="Oswald" panose="00000500000000000000" pitchFamily="2" charset="0"/>
+      <p:font typeface="Oswald Bold" panose="00000800000000000000" charset="0"/>
       <p:regular r:id="rId23"/>
-    </p:embeddedFont>
-    <p:embeddedFont>
-      <p:font typeface="Oswald Bold" panose="00000800000000000000" charset="0"/>
-      <p:regular r:id="rId24"/>
     </p:embeddedFont>
   </p:embeddedFontLst>
   <p:defaultTextStyle>
@@ -342,7 +338,7 @@
             <a:fld id="{1D8BD707-D9CF-40AE-B4C6-C98DA3205C09}" type="datetimeFigureOut">
               <a:rPr lang="en-US" smtClean="0"/>
               <a:pPr/>
-              <a:t>9/26/2024</a:t>
+              <a:t>10/8/2024</a:t>
             </a:fld>
             <a:endParaRPr lang="en-US"/>
           </a:p>
@@ -507,7 +503,7 @@
             <a:fld id="{1D8BD707-D9CF-40AE-B4C6-C98DA3205C09}" type="datetimeFigureOut">
               <a:rPr lang="en-US" smtClean="0"/>
               <a:pPr/>
-              <a:t>9/26/2024</a:t>
+              <a:t>10/8/2024</a:t>
             </a:fld>
             <a:endParaRPr lang="en-US"/>
           </a:p>
@@ -682,7 +678,7 @@
             <a:fld id="{1D8BD707-D9CF-40AE-B4C6-C98DA3205C09}" type="datetimeFigureOut">
               <a:rPr lang="en-US" smtClean="0"/>
               <a:pPr/>
-              <a:t>9/26/2024</a:t>
+              <a:t>10/8/2024</a:t>
             </a:fld>
             <a:endParaRPr lang="en-US"/>
           </a:p>
@@ -847,7 +843,7 @@
             <a:fld id="{1D8BD707-D9CF-40AE-B4C6-C98DA3205C09}" type="datetimeFigureOut">
               <a:rPr lang="en-US" smtClean="0"/>
               <a:pPr/>
-              <a:t>9/26/2024</a:t>
+              <a:t>10/8/2024</a:t>
             </a:fld>
             <a:endParaRPr lang="en-US"/>
           </a:p>
@@ -1089,7 +1085,7 @@
             <a:fld id="{1D8BD707-D9CF-40AE-B4C6-C98DA3205C09}" type="datetimeFigureOut">
               <a:rPr lang="en-US" smtClean="0"/>
               <a:pPr/>
-              <a:t>9/26/2024</a:t>
+              <a:t>10/8/2024</a:t>
             </a:fld>
             <a:endParaRPr lang="en-US"/>
           </a:p>
@@ -1371,7 +1367,7 @@
             <a:fld id="{1D8BD707-D9CF-40AE-B4C6-C98DA3205C09}" type="datetimeFigureOut">
               <a:rPr lang="en-US" smtClean="0"/>
               <a:pPr/>
-              <a:t>9/26/2024</a:t>
+              <a:t>10/8/2024</a:t>
             </a:fld>
             <a:endParaRPr lang="en-US"/>
           </a:p>
@@ -1787,7 +1783,7 @@
             <a:fld id="{1D8BD707-D9CF-40AE-B4C6-C98DA3205C09}" type="datetimeFigureOut">
               <a:rPr lang="en-US" smtClean="0"/>
               <a:pPr/>
-              <a:t>9/26/2024</a:t>
+              <a:t>10/8/2024</a:t>
             </a:fld>
             <a:endParaRPr lang="en-US"/>
           </a:p>
@@ -1901,7 +1897,7 @@
             <a:fld id="{1D8BD707-D9CF-40AE-B4C6-C98DA3205C09}" type="datetimeFigureOut">
               <a:rPr lang="en-US" smtClean="0"/>
               <a:pPr/>
-              <a:t>9/26/2024</a:t>
+              <a:t>10/8/2024</a:t>
             </a:fld>
             <a:endParaRPr lang="en-US"/>
           </a:p>
@@ -1993,7 +1989,7 @@
             <a:fld id="{1D8BD707-D9CF-40AE-B4C6-C98DA3205C09}" type="datetimeFigureOut">
               <a:rPr lang="en-US" smtClean="0"/>
               <a:pPr/>
-              <a:t>9/26/2024</a:t>
+              <a:t>10/8/2024</a:t>
             </a:fld>
             <a:endParaRPr lang="en-US"/>
           </a:p>
@@ -2265,7 +2261,7 @@
             <a:fld id="{1D8BD707-D9CF-40AE-B4C6-C98DA3205C09}" type="datetimeFigureOut">
               <a:rPr lang="en-US" smtClean="0"/>
               <a:pPr/>
-              <a:t>9/26/2024</a:t>
+              <a:t>10/8/2024</a:t>
             </a:fld>
             <a:endParaRPr lang="en-US"/>
           </a:p>
@@ -2514,7 +2510,7 @@
             <a:fld id="{1D8BD707-D9CF-40AE-B4C6-C98DA3205C09}" type="datetimeFigureOut">
               <a:rPr lang="en-US" smtClean="0"/>
               <a:pPr/>
-              <a:t>9/26/2024</a:t>
+              <a:t>10/8/2024</a:t>
             </a:fld>
             <a:endParaRPr lang="en-US"/>
           </a:p>
@@ -2722,7 +2718,7 @@
             <a:fld id="{1D8BD707-D9CF-40AE-B4C6-C98DA3205C09}" type="datetimeFigureOut">
               <a:rPr lang="en-US" smtClean="0"/>
               <a:pPr/>
-              <a:t>9/26/2024</a:t>
+              <a:t>10/8/2024</a:t>
             </a:fld>
             <a:endParaRPr lang="en-US"/>
           </a:p>
@@ -3138,6 +3134,13 @@
             </a:stretch>
           </a:blipFill>
         </p:spPr>
+        <p:txBody>
+          <a:bodyPr/>
+          <a:lstStyle/>
+          <a:p>
+            <a:endParaRPr lang="en-US" dirty="0"/>
+          </a:p>
+        </p:txBody>
       </p:sp>
       <p:sp>
         <p:nvSpPr>
@@ -3251,7 +3254,7 @@
         </p:nvGrpSpPr>
         <p:grpSpPr>
           <a:xfrm>
-            <a:off x="4236347" y="1447977"/>
+            <a:off x="4236347" y="3068236"/>
             <a:ext cx="9815307" cy="4208864"/>
             <a:chOff x="0" y="0"/>
             <a:chExt cx="1895495" cy="812800"/>
@@ -3343,7 +3346,7 @@
         </p:nvSpPr>
         <p:spPr>
           <a:xfrm>
-            <a:off x="4236347" y="2744028"/>
+            <a:off x="4236347" y="4364287"/>
             <a:ext cx="9815307" cy="2441715"/>
           </a:xfrm>
           <a:prstGeom prst="rect">
@@ -3384,7 +3387,7 @@
         </p:nvSpPr>
         <p:spPr>
           <a:xfrm>
-            <a:off x="4236347" y="1286052"/>
+            <a:off x="4236347" y="2906311"/>
             <a:ext cx="9815307" cy="1519122"/>
           </a:xfrm>
           <a:prstGeom prst="rect">
@@ -3413,142 +3416,6 @@
                 <a:sym typeface="Oswald Bold"/>
               </a:rPr>
               <a:t>MARKETING</a:t>
-            </a:r>
-          </a:p>
-        </p:txBody>
-      </p:sp>
-      <p:sp>
-        <p:nvSpPr>
-          <p:cNvPr id="10" name="TextBox 10"/>
-          <p:cNvSpPr txBox="1"/>
-          <p:nvPr/>
-        </p:nvSpPr>
-        <p:spPr>
-          <a:xfrm>
-            <a:off x="2719596" y="6617039"/>
-            <a:ext cx="12848809" cy="2882958"/>
-          </a:xfrm>
-          <a:prstGeom prst="rect">
-            <a:avLst/>
-          </a:prstGeom>
-        </p:spPr>
-        <p:txBody>
-          <a:bodyPr lIns="0" tIns="0" rIns="0" bIns="0" rtlCol="0" anchor="t">
-            <a:spAutoFit/>
-          </a:bodyPr>
-          <a:lstStyle/>
-          <a:p>
-            <a:pPr algn="ctr">
-              <a:lnSpc>
-                <a:spcPts val="4765"/>
-              </a:lnSpc>
-            </a:pPr>
-            <a:r>
-              <a:rPr lang="en-US" sz="3453" b="1" spc="183">
-                <a:solidFill>
-                  <a:srgbClr val="231F20"/>
-                </a:solidFill>
-                <a:latin typeface="Montserrat Classic Bold"/>
-                <a:ea typeface="Montserrat Classic Bold"/>
-                <a:cs typeface="Montserrat Classic Bold"/>
-                <a:sym typeface="Montserrat Classic Bold"/>
-              </a:rPr>
-              <a:t>GROUP 4</a:t>
-            </a:r>
-          </a:p>
-          <a:p>
-            <a:pPr algn="ctr">
-              <a:lnSpc>
-                <a:spcPts val="3661"/>
-              </a:lnSpc>
-            </a:pPr>
-            <a:r>
-              <a:rPr lang="en-US" sz="2653" b="1" spc="140">
-                <a:solidFill>
-                  <a:srgbClr val="231F20"/>
-                </a:solidFill>
-                <a:latin typeface="Montserrat Classic Bold"/>
-                <a:ea typeface="Montserrat Classic Bold"/>
-                <a:cs typeface="Montserrat Classic Bold"/>
-                <a:sym typeface="Montserrat Classic Bold"/>
-              </a:rPr>
-              <a:t>JIBIN SEBASTIAN</a:t>
-            </a:r>
-          </a:p>
-          <a:p>
-            <a:pPr algn="ctr">
-              <a:lnSpc>
-                <a:spcPts val="3661"/>
-              </a:lnSpc>
-            </a:pPr>
-            <a:r>
-              <a:rPr lang="en-US" sz="2653" b="1" spc="140">
-                <a:solidFill>
-                  <a:srgbClr val="231F20"/>
-                </a:solidFill>
-                <a:latin typeface="Montserrat Classic Bold"/>
-                <a:ea typeface="Montserrat Classic Bold"/>
-                <a:cs typeface="Montserrat Classic Bold"/>
-                <a:sym typeface="Montserrat Classic Bold"/>
-              </a:rPr>
-              <a:t>JIBIN GEORGE</a:t>
-            </a:r>
-          </a:p>
-          <a:p>
-            <a:pPr algn="ctr">
-              <a:lnSpc>
-                <a:spcPts val="3661"/>
-              </a:lnSpc>
-            </a:pPr>
-            <a:r>
-              <a:rPr lang="en-US" sz="2653" b="1" spc="140">
-                <a:solidFill>
-                  <a:srgbClr val="231F20"/>
-                </a:solidFill>
-                <a:latin typeface="Montserrat Classic Bold"/>
-                <a:ea typeface="Montserrat Classic Bold"/>
-                <a:cs typeface="Montserrat Classic Bold"/>
-                <a:sym typeface="Montserrat Classic Bold"/>
-              </a:rPr>
-              <a:t>KAILAS KRISHNAN </a:t>
-            </a:r>
-          </a:p>
-          <a:p>
-            <a:pPr algn="ctr">
-              <a:lnSpc>
-                <a:spcPts val="3661"/>
-              </a:lnSpc>
-            </a:pPr>
-            <a:r>
-              <a:rPr lang="en-US" sz="2653" b="1" spc="140">
-                <a:solidFill>
-                  <a:srgbClr val="231F20"/>
-                </a:solidFill>
-                <a:latin typeface="Montserrat Classic Bold"/>
-                <a:ea typeface="Montserrat Classic Bold"/>
-                <a:cs typeface="Montserrat Classic Bold"/>
-                <a:sym typeface="Montserrat Classic Bold"/>
-              </a:rPr>
-              <a:t>VISHAL RAMESH BABU </a:t>
-            </a:r>
-          </a:p>
-          <a:p>
-            <a:pPr algn="ctr">
-              <a:lnSpc>
-                <a:spcPts val="3661"/>
-              </a:lnSpc>
-            </a:pPr>
-            <a:r>
-              <a:rPr lang="en-US" sz="2653" b="1" spc="140">
-                <a:solidFill>
-                  <a:srgbClr val="231F20"/>
-                </a:solidFill>
-                <a:latin typeface="Montserrat Classic Bold"/>
-                <a:ea typeface="Montserrat Classic Bold"/>
-                <a:cs typeface="Montserrat Classic Bold"/>
-                <a:sym typeface="Montserrat Classic Bold"/>
-              </a:rPr>
-              <a:t>YASHAS MYSORE SRIHARI</a:t>
             </a:r>
           </a:p>
         </p:txBody>
